--- a/内卷问题建模与分析.pptx
+++ b/内卷问题建模与分析.pptx
@@ -12,6 +12,12 @@
     <p:sldId id="270" r:id="rId6"/>
     <p:sldId id="271" r:id="rId7"/>
     <p:sldId id="272" r:id="rId8"/>
+    <p:sldId id="273" r:id="rId9"/>
+    <p:sldId id="274" r:id="rId10"/>
+    <p:sldId id="275" r:id="rId11"/>
+    <p:sldId id="276" r:id="rId12"/>
+    <p:sldId id="277" r:id="rId13"/>
+    <p:sldId id="278" r:id="rId14"/>
   </p:sldIdLst>
   <p:sldSz cx="12192000" cy="6858000"/>
   <p:notesSz cx="6858000" cy="9144000"/>
@@ -1046,7 +1052,7 @@
           <a:p>
             <a:fld id="{48A87A34-81AB-432B-8DAE-1953F412C126}" type="datetimeFigureOut">
               <a:rPr lang="en-US" dirty="0"/>
-              <a:t>6/15/21</a:t>
+              <a:t>6/16/21</a:t>
             </a:fld>
             <a:endParaRPr lang="en-US" dirty="0"/>
           </a:p>
@@ -1252,7 +1258,7 @@
           <a:p>
             <a:fld id="{48A87A34-81AB-432B-8DAE-1953F412C126}" type="datetimeFigureOut">
               <a:rPr lang="en-US" dirty="0"/>
-              <a:t>6/15/21</a:t>
+              <a:t>6/16/21</a:t>
             </a:fld>
             <a:endParaRPr lang="en-US" dirty="0"/>
           </a:p>
@@ -1462,7 +1468,7 @@
           <a:p>
             <a:fld id="{48A87A34-81AB-432B-8DAE-1953F412C126}" type="datetimeFigureOut">
               <a:rPr lang="en-US" dirty="0"/>
-              <a:t>6/15/21</a:t>
+              <a:t>6/16/21</a:t>
             </a:fld>
             <a:endParaRPr lang="en-US" dirty="0"/>
           </a:p>
@@ -1658,7 +1664,7 @@
           <a:p>
             <a:fld id="{48A87A34-81AB-432B-8DAE-1953F412C126}" type="datetimeFigureOut">
               <a:rPr lang="en-US" dirty="0"/>
-              <a:t>6/15/21</a:t>
+              <a:t>6/16/21</a:t>
             </a:fld>
             <a:endParaRPr lang="en-US" dirty="0"/>
           </a:p>
@@ -1932,7 +1938,7 @@
           <a:p>
             <a:fld id="{48A87A34-81AB-432B-8DAE-1953F412C126}" type="datetimeFigureOut">
               <a:rPr lang="en-US" dirty="0"/>
-              <a:t>6/15/21</a:t>
+              <a:t>6/16/21</a:t>
             </a:fld>
             <a:endParaRPr lang="en-US" dirty="0"/>
           </a:p>
@@ -2195,7 +2201,7 @@
           <a:p>
             <a:fld id="{48A87A34-81AB-432B-8DAE-1953F412C126}" type="datetimeFigureOut">
               <a:rPr lang="en-US" dirty="0"/>
-              <a:t>6/15/21</a:t>
+              <a:t>6/16/21</a:t>
             </a:fld>
             <a:endParaRPr lang="en-US" dirty="0"/>
           </a:p>
@@ -2606,7 +2612,7 @@
           <a:p>
             <a:fld id="{48A87A34-81AB-432B-8DAE-1953F412C126}" type="datetimeFigureOut">
               <a:rPr lang="en-US" dirty="0"/>
-              <a:t>6/15/21</a:t>
+              <a:t>6/16/21</a:t>
             </a:fld>
             <a:endParaRPr lang="en-US" dirty="0"/>
           </a:p>
@@ -2750,7 +2756,7 @@
           <a:p>
             <a:fld id="{48A87A34-81AB-432B-8DAE-1953F412C126}" type="datetimeFigureOut">
               <a:rPr lang="en-US" dirty="0"/>
-              <a:t>6/15/21</a:t>
+              <a:t>6/16/21</a:t>
             </a:fld>
             <a:endParaRPr lang="en-US" dirty="0"/>
           </a:p>
@@ -2871,7 +2877,7 @@
           <a:p>
             <a:fld id="{48A87A34-81AB-432B-8DAE-1953F412C126}" type="datetimeFigureOut">
               <a:rPr lang="en-US" dirty="0"/>
-              <a:t>6/15/21</a:t>
+              <a:t>6/16/21</a:t>
             </a:fld>
             <a:endParaRPr lang="en-US" dirty="0"/>
           </a:p>
@@ -3117,7 +3123,7 @@
           <a:p>
             <a:fld id="{48A87A34-81AB-432B-8DAE-1953F412C126}" type="datetimeFigureOut">
               <a:rPr lang="en-US" dirty="0"/>
-              <a:t>6/15/21</a:t>
+              <a:t>6/16/21</a:t>
             </a:fld>
             <a:endParaRPr lang="en-US" dirty="0"/>
           </a:p>
@@ -3558,7 +3564,7 @@
             <a:fld id="{48A87A34-81AB-432B-8DAE-1953F412C126}" type="datetimeFigureOut">
               <a:rPr lang="en-US" dirty="0"/>
               <a:pPr/>
-              <a:t>6/15/21</a:t>
+              <a:t>6/16/21</a:t>
             </a:fld>
             <a:endParaRPr lang="en-US" dirty="0"/>
           </a:p>
@@ -3881,7 +3887,7 @@
             <a:fld id="{48A87A34-81AB-432B-8DAE-1953F412C126}" type="datetimeFigureOut">
               <a:rPr lang="en-US" dirty="0"/>
               <a:pPr/>
-              <a:t>6/15/21</a:t>
+              <a:t>6/16/21</a:t>
             </a:fld>
             <a:endParaRPr lang="en-US" dirty="0"/>
           </a:p>
@@ -4479,6 +4485,346 @@
 </p:sld>
 </file>
 
+<file path=ppt/slides/slide10.xml><?xml version="1.0" encoding="utf-8"?>
+<p:sld xmlns:a="http://schemas.openxmlformats.org/drawingml/2006/main" xmlns:r="http://schemas.openxmlformats.org/officeDocument/2006/relationships" xmlns:p="http://schemas.openxmlformats.org/presentationml/2006/main">
+  <p:cSld>
+    <p:spTree>
+      <p:nvGrpSpPr>
+        <p:cNvPr id="1" name=""/>
+        <p:cNvGrpSpPr/>
+        <p:nvPr/>
+      </p:nvGrpSpPr>
+      <p:grpSpPr>
+        <a:xfrm>
+          <a:off x="0" y="0"/>
+          <a:ext cx="0" cy="0"/>
+          <a:chOff x="0" y="0"/>
+          <a:chExt cx="0" cy="0"/>
+        </a:xfrm>
+      </p:grpSpPr>
+      <p:sp>
+        <p:nvSpPr>
+          <p:cNvPr id="2" name="标题 1">
+            <a:extLst>
+              <a:ext uri="{FF2B5EF4-FFF2-40B4-BE49-F238E27FC236}">
+                <a16:creationId xmlns:a16="http://schemas.microsoft.com/office/drawing/2014/main" id="{AC163737-2FC7-F140-8A5C-31FE7AA8117C}"/>
+              </a:ext>
+            </a:extLst>
+          </p:cNvPr>
+          <p:cNvSpPr>
+            <a:spLocks noGrp="1"/>
+          </p:cNvSpPr>
+          <p:nvPr>
+            <p:ph type="title"/>
+          </p:nvPr>
+        </p:nvSpPr>
+        <p:spPr/>
+        <p:txBody>
+          <a:bodyPr>
+            <a:normAutofit/>
+          </a:bodyPr>
+          <a:lstStyle/>
+          <a:p>
+            <a:r>
+              <a:rPr kumimoji="1" lang="zh-CN" altLang="en-US" sz="4800" dirty="0"/>
+              <a:t>演化规则</a:t>
+            </a:r>
+          </a:p>
+        </p:txBody>
+      </p:sp>
+      <p:sp>
+        <p:nvSpPr>
+          <p:cNvPr id="3" name="内容占位符 2">
+            <a:extLst>
+              <a:ext uri="{FF2B5EF4-FFF2-40B4-BE49-F238E27FC236}">
+                <a16:creationId xmlns:a16="http://schemas.microsoft.com/office/drawing/2014/main" id="{3CA533C5-E795-0341-AF79-931D344749FC}"/>
+              </a:ext>
+            </a:extLst>
+          </p:cNvPr>
+          <p:cNvSpPr>
+            <a:spLocks noGrp="1"/>
+          </p:cNvSpPr>
+          <p:nvPr>
+            <p:ph idx="1"/>
+          </p:nvPr>
+        </p:nvSpPr>
+        <p:spPr/>
+        <p:txBody>
+          <a:bodyPr/>
+          <a:lstStyle/>
+          <a:p>
+            <a:endParaRPr kumimoji="1" lang="zh-CN" altLang="en-US" dirty="0"/>
+          </a:p>
+        </p:txBody>
+      </p:sp>
+    </p:spTree>
+    <p:extLst>
+      <p:ext uri="{BB962C8B-B14F-4D97-AF65-F5344CB8AC3E}">
+        <p14:creationId xmlns:p14="http://schemas.microsoft.com/office/powerpoint/2010/main" val="1581668576"/>
+      </p:ext>
+    </p:extLst>
+  </p:cSld>
+  <p:clrMapOvr>
+    <a:masterClrMapping/>
+  </p:clrMapOvr>
+</p:sld>
+</file>
+
+<file path=ppt/slides/slide11.xml><?xml version="1.0" encoding="utf-8"?>
+<p:sld xmlns:a="http://schemas.openxmlformats.org/drawingml/2006/main" xmlns:r="http://schemas.openxmlformats.org/officeDocument/2006/relationships" xmlns:p="http://schemas.openxmlformats.org/presentationml/2006/main">
+  <p:cSld>
+    <p:spTree>
+      <p:nvGrpSpPr>
+        <p:cNvPr id="1" name=""/>
+        <p:cNvGrpSpPr/>
+        <p:nvPr/>
+      </p:nvGrpSpPr>
+      <p:grpSpPr>
+        <a:xfrm>
+          <a:off x="0" y="0"/>
+          <a:ext cx="0" cy="0"/>
+          <a:chOff x="0" y="0"/>
+          <a:chExt cx="0" cy="0"/>
+        </a:xfrm>
+      </p:grpSpPr>
+      <p:sp>
+        <p:nvSpPr>
+          <p:cNvPr id="2" name="标题 1">
+            <a:extLst>
+              <a:ext uri="{FF2B5EF4-FFF2-40B4-BE49-F238E27FC236}">
+                <a16:creationId xmlns:a16="http://schemas.microsoft.com/office/drawing/2014/main" id="{AC163737-2FC7-F140-8A5C-31FE7AA8117C}"/>
+              </a:ext>
+            </a:extLst>
+          </p:cNvPr>
+          <p:cNvSpPr>
+            <a:spLocks noGrp="1"/>
+          </p:cNvSpPr>
+          <p:nvPr>
+            <p:ph type="title"/>
+          </p:nvPr>
+        </p:nvSpPr>
+        <p:spPr/>
+        <p:txBody>
+          <a:bodyPr>
+            <a:normAutofit/>
+          </a:bodyPr>
+          <a:lstStyle/>
+          <a:p>
+            <a:r>
+              <a:rPr kumimoji="1" lang="zh-CN" altLang="en-US" sz="4800" dirty="0"/>
+              <a:t>演化规则</a:t>
+            </a:r>
+          </a:p>
+        </p:txBody>
+      </p:sp>
+      <p:sp>
+        <p:nvSpPr>
+          <p:cNvPr id="3" name="内容占位符 2">
+            <a:extLst>
+              <a:ext uri="{FF2B5EF4-FFF2-40B4-BE49-F238E27FC236}">
+                <a16:creationId xmlns:a16="http://schemas.microsoft.com/office/drawing/2014/main" id="{3CA533C5-E795-0341-AF79-931D344749FC}"/>
+              </a:ext>
+            </a:extLst>
+          </p:cNvPr>
+          <p:cNvSpPr>
+            <a:spLocks noGrp="1"/>
+          </p:cNvSpPr>
+          <p:nvPr>
+            <p:ph idx="1"/>
+          </p:nvPr>
+        </p:nvSpPr>
+        <p:spPr/>
+        <p:txBody>
+          <a:bodyPr/>
+          <a:lstStyle/>
+          <a:p>
+            <a:endParaRPr kumimoji="1" lang="zh-CN" altLang="en-US" dirty="0"/>
+          </a:p>
+        </p:txBody>
+      </p:sp>
+    </p:spTree>
+    <p:extLst>
+      <p:ext uri="{BB962C8B-B14F-4D97-AF65-F5344CB8AC3E}">
+        <p14:creationId xmlns:p14="http://schemas.microsoft.com/office/powerpoint/2010/main" val="2214950472"/>
+      </p:ext>
+    </p:extLst>
+  </p:cSld>
+  <p:clrMapOvr>
+    <a:masterClrMapping/>
+  </p:clrMapOvr>
+</p:sld>
+</file>
+
+<file path=ppt/slides/slide12.xml><?xml version="1.0" encoding="utf-8"?>
+<p:sld xmlns:a="http://schemas.openxmlformats.org/drawingml/2006/main" xmlns:r="http://schemas.openxmlformats.org/officeDocument/2006/relationships" xmlns:p="http://schemas.openxmlformats.org/presentationml/2006/main">
+  <p:cSld>
+    <p:spTree>
+      <p:nvGrpSpPr>
+        <p:cNvPr id="1" name=""/>
+        <p:cNvGrpSpPr/>
+        <p:nvPr/>
+      </p:nvGrpSpPr>
+      <p:grpSpPr>
+        <a:xfrm>
+          <a:off x="0" y="0"/>
+          <a:ext cx="0" cy="0"/>
+          <a:chOff x="0" y="0"/>
+          <a:chExt cx="0" cy="0"/>
+        </a:xfrm>
+      </p:grpSpPr>
+      <p:sp>
+        <p:nvSpPr>
+          <p:cNvPr id="2" name="标题 1">
+            <a:extLst>
+              <a:ext uri="{FF2B5EF4-FFF2-40B4-BE49-F238E27FC236}">
+                <a16:creationId xmlns:a16="http://schemas.microsoft.com/office/drawing/2014/main" id="{AC163737-2FC7-F140-8A5C-31FE7AA8117C}"/>
+              </a:ext>
+            </a:extLst>
+          </p:cNvPr>
+          <p:cNvSpPr>
+            <a:spLocks noGrp="1"/>
+          </p:cNvSpPr>
+          <p:nvPr>
+            <p:ph type="title"/>
+          </p:nvPr>
+        </p:nvSpPr>
+        <p:spPr/>
+        <p:txBody>
+          <a:bodyPr>
+            <a:normAutofit/>
+          </a:bodyPr>
+          <a:lstStyle/>
+          <a:p>
+            <a:r>
+              <a:rPr kumimoji="1" lang="zh-CN" altLang="en-US" sz="4800" dirty="0"/>
+              <a:t>演化规则</a:t>
+            </a:r>
+          </a:p>
+        </p:txBody>
+      </p:sp>
+      <p:sp>
+        <p:nvSpPr>
+          <p:cNvPr id="3" name="内容占位符 2">
+            <a:extLst>
+              <a:ext uri="{FF2B5EF4-FFF2-40B4-BE49-F238E27FC236}">
+                <a16:creationId xmlns:a16="http://schemas.microsoft.com/office/drawing/2014/main" id="{3CA533C5-E795-0341-AF79-931D344749FC}"/>
+              </a:ext>
+            </a:extLst>
+          </p:cNvPr>
+          <p:cNvSpPr>
+            <a:spLocks noGrp="1"/>
+          </p:cNvSpPr>
+          <p:nvPr>
+            <p:ph idx="1"/>
+          </p:nvPr>
+        </p:nvSpPr>
+        <p:spPr/>
+        <p:txBody>
+          <a:bodyPr/>
+          <a:lstStyle/>
+          <a:p>
+            <a:endParaRPr kumimoji="1" lang="zh-CN" altLang="en-US" dirty="0"/>
+          </a:p>
+        </p:txBody>
+      </p:sp>
+    </p:spTree>
+    <p:extLst>
+      <p:ext uri="{BB962C8B-B14F-4D97-AF65-F5344CB8AC3E}">
+        <p14:creationId xmlns:p14="http://schemas.microsoft.com/office/powerpoint/2010/main" val="2130612357"/>
+      </p:ext>
+    </p:extLst>
+  </p:cSld>
+  <p:clrMapOvr>
+    <a:masterClrMapping/>
+  </p:clrMapOvr>
+</p:sld>
+</file>
+
+<file path=ppt/slides/slide13.xml><?xml version="1.0" encoding="utf-8"?>
+<p:sld xmlns:a="http://schemas.openxmlformats.org/drawingml/2006/main" xmlns:r="http://schemas.openxmlformats.org/officeDocument/2006/relationships" xmlns:p="http://schemas.openxmlformats.org/presentationml/2006/main">
+  <p:cSld>
+    <p:spTree>
+      <p:nvGrpSpPr>
+        <p:cNvPr id="1" name=""/>
+        <p:cNvGrpSpPr/>
+        <p:nvPr/>
+      </p:nvGrpSpPr>
+      <p:grpSpPr>
+        <a:xfrm>
+          <a:off x="0" y="0"/>
+          <a:ext cx="0" cy="0"/>
+          <a:chOff x="0" y="0"/>
+          <a:chExt cx="0" cy="0"/>
+        </a:xfrm>
+      </p:grpSpPr>
+      <p:sp>
+        <p:nvSpPr>
+          <p:cNvPr id="2" name="标题 1">
+            <a:extLst>
+              <a:ext uri="{FF2B5EF4-FFF2-40B4-BE49-F238E27FC236}">
+                <a16:creationId xmlns:a16="http://schemas.microsoft.com/office/drawing/2014/main" id="{AC163737-2FC7-F140-8A5C-31FE7AA8117C}"/>
+              </a:ext>
+            </a:extLst>
+          </p:cNvPr>
+          <p:cNvSpPr>
+            <a:spLocks noGrp="1"/>
+          </p:cNvSpPr>
+          <p:nvPr>
+            <p:ph type="title"/>
+          </p:nvPr>
+        </p:nvSpPr>
+        <p:spPr/>
+        <p:txBody>
+          <a:bodyPr>
+            <a:normAutofit/>
+          </a:bodyPr>
+          <a:lstStyle/>
+          <a:p>
+            <a:r>
+              <a:rPr kumimoji="1" lang="zh-CN" altLang="en-US" sz="4800" dirty="0"/>
+              <a:t>演化规则</a:t>
+            </a:r>
+          </a:p>
+        </p:txBody>
+      </p:sp>
+      <p:sp>
+        <p:nvSpPr>
+          <p:cNvPr id="3" name="内容占位符 2">
+            <a:extLst>
+              <a:ext uri="{FF2B5EF4-FFF2-40B4-BE49-F238E27FC236}">
+                <a16:creationId xmlns:a16="http://schemas.microsoft.com/office/drawing/2014/main" id="{3CA533C5-E795-0341-AF79-931D344749FC}"/>
+              </a:ext>
+            </a:extLst>
+          </p:cNvPr>
+          <p:cNvSpPr>
+            <a:spLocks noGrp="1"/>
+          </p:cNvSpPr>
+          <p:nvPr>
+            <p:ph idx="1"/>
+          </p:nvPr>
+        </p:nvSpPr>
+        <p:spPr/>
+        <p:txBody>
+          <a:bodyPr/>
+          <a:lstStyle/>
+          <a:p>
+            <a:endParaRPr kumimoji="1" lang="zh-CN" altLang="en-US" dirty="0"/>
+          </a:p>
+        </p:txBody>
+      </p:sp>
+    </p:spTree>
+    <p:extLst>
+      <p:ext uri="{BB962C8B-B14F-4D97-AF65-F5344CB8AC3E}">
+        <p14:creationId xmlns:p14="http://schemas.microsoft.com/office/powerpoint/2010/main" val="736415187"/>
+      </p:ext>
+    </p:extLst>
+  </p:cSld>
+  <p:clrMapOvr>
+    <a:masterClrMapping/>
+  </p:clrMapOvr>
+</p:sld>
+</file>
+
 <file path=ppt/slides/slide2.xml><?xml version="1.0" encoding="utf-8"?>
 <p:sld xmlns:a="http://schemas.openxmlformats.org/drawingml/2006/main" xmlns:r="http://schemas.openxmlformats.org/officeDocument/2006/relationships" xmlns:p="http://schemas.openxmlformats.org/presentationml/2006/main">
   <p:cSld>
@@ -5967,7 +6313,15 @@
             </a:pPr>
             <a:r>
               <a:rPr kumimoji="1" lang="zh-CN" altLang="en-US" dirty="0"/>
-              <a:t>限制的标准正态分布</a:t>
+              <a:t>限制的</a:t>
+            </a:r>
+            <a:r>
+              <a:rPr kumimoji="1" lang="en-US" altLang="zh-CN" dirty="0"/>
+              <a:t>[0,1]</a:t>
+            </a:r>
+            <a:r>
+              <a:rPr kumimoji="1" lang="zh-CN" altLang="en-US" dirty="0"/>
+              <a:t>均匀分布</a:t>
             </a:r>
             <a:endParaRPr kumimoji="1" lang="en-US" altLang="zh-CN" dirty="0"/>
           </a:p>
@@ -7851,10 +8205,106 @@
           <a:bodyPr/>
           <a:lstStyle/>
           <a:p>
-            <a:endParaRPr kumimoji="1" lang="zh-CN" altLang="en-US"/>
+            <a:r>
+              <a:rPr kumimoji="1" lang="zh-CN" altLang="en-US" dirty="0"/>
+              <a:t>每个人在某个资源点上的水平函数</a:t>
+            </a:r>
+            <a:r>
+              <a:rPr kumimoji="1" lang="en-US" altLang="zh-CN" dirty="0"/>
+              <a:t>f</a:t>
+            </a:r>
+            <a:r>
+              <a:rPr kumimoji="1" lang="zh-CN" altLang="en-US" dirty="0"/>
+              <a:t>定义为：</a:t>
+            </a:r>
+            <a:endParaRPr kumimoji="1" lang="en-US" altLang="zh-CN" dirty="0"/>
+          </a:p>
+          <a:p>
+            <a:endParaRPr kumimoji="1" lang="zh-CN" altLang="en-US" dirty="0"/>
           </a:p>
         </p:txBody>
       </p:sp>
+      <p:pic>
+        <p:nvPicPr>
+          <p:cNvPr id="5" name="图片 4">
+            <a:extLst>
+              <a:ext uri="{FF2B5EF4-FFF2-40B4-BE49-F238E27FC236}">
+                <a16:creationId xmlns:a16="http://schemas.microsoft.com/office/drawing/2014/main" id="{550BFCEA-1966-794B-A8FC-6CA3CE7F1908}"/>
+              </a:ext>
+            </a:extLst>
+          </p:cNvPr>
+          <p:cNvPicPr>
+            <a:picLocks noChangeAspect="1"/>
+          </p:cNvPicPr>
+          <p:nvPr/>
+        </p:nvPicPr>
+        <p:blipFill rotWithShape="1">
+          <a:blip r:embed="rId2">
+            <a:clrChange>
+              <a:clrFrom>
+                <a:srgbClr val="FFFFFF"/>
+              </a:clrFrom>
+              <a:clrTo>
+                <a:srgbClr val="FFFFFF">
+                  <a:alpha val="0"/>
+                </a:srgbClr>
+              </a:clrTo>
+            </a:clrChange>
+          </a:blip>
+          <a:srcRect t="16614"/>
+          <a:stretch/>
+        </p:blipFill>
+        <p:spPr>
+          <a:xfrm>
+            <a:off x="6775661" y="1969874"/>
+            <a:ext cx="4195379" cy="966822"/>
+          </a:xfrm>
+          <a:prstGeom prst="rect">
+            <a:avLst/>
+          </a:prstGeom>
+        </p:spPr>
+      </p:pic>
+      <p:pic>
+        <p:nvPicPr>
+          <p:cNvPr id="7" name="图片 6">
+            <a:extLst>
+              <a:ext uri="{FF2B5EF4-FFF2-40B4-BE49-F238E27FC236}">
+                <a16:creationId xmlns:a16="http://schemas.microsoft.com/office/drawing/2014/main" id="{7FC688CC-0CB7-F34A-9041-40D571B4EE21}"/>
+              </a:ext>
+            </a:extLst>
+          </p:cNvPr>
+          <p:cNvPicPr>
+            <a:picLocks noChangeAspect="1"/>
+          </p:cNvPicPr>
+          <p:nvPr/>
+        </p:nvPicPr>
+        <p:blipFill>
+          <a:blip r:embed="rId3">
+            <a:clrChange>
+              <a:clrFrom>
+                <a:srgbClr val="FFFFFF"/>
+              </a:clrFrom>
+              <a:clrTo>
+                <a:srgbClr val="FFFFFF">
+                  <a:alpha val="0"/>
+                </a:srgbClr>
+              </a:clrTo>
+            </a:clrChange>
+          </a:blip>
+          <a:stretch>
+            <a:fillRect/>
+          </a:stretch>
+        </p:blipFill>
+        <p:spPr>
+          <a:xfrm>
+            <a:off x="901700" y="3052815"/>
+            <a:ext cx="10388600" cy="1638300"/>
+          </a:xfrm>
+          <a:prstGeom prst="rect">
+            <a:avLst/>
+          </a:prstGeom>
+        </p:spPr>
+      </p:pic>
     </p:spTree>
     <p:extLst>
       <p:ext uri="{BB962C8B-B14F-4D97-AF65-F5344CB8AC3E}">
@@ -7910,7 +8360,345 @@
           <a:p>
             <a:r>
               <a:rPr kumimoji="1" lang="zh-CN" altLang="en-US" sz="4800" dirty="0"/>
-              <a:t>模型设定</a:t>
+              <a:t>演化规则</a:t>
+            </a:r>
+          </a:p>
+        </p:txBody>
+      </p:sp>
+      <p:sp>
+        <p:nvSpPr>
+          <p:cNvPr id="3" name="内容占位符 2">
+            <a:extLst>
+              <a:ext uri="{FF2B5EF4-FFF2-40B4-BE49-F238E27FC236}">
+                <a16:creationId xmlns:a16="http://schemas.microsoft.com/office/drawing/2014/main" id="{3CA533C5-E795-0341-AF79-931D344749FC}"/>
+              </a:ext>
+            </a:extLst>
+          </p:cNvPr>
+          <p:cNvSpPr>
+            <a:spLocks noGrp="1"/>
+          </p:cNvSpPr>
+          <p:nvPr>
+            <p:ph idx="1"/>
+          </p:nvPr>
+        </p:nvSpPr>
+        <p:spPr>
+          <a:xfrm>
+            <a:off x="1451579" y="2015732"/>
+            <a:ext cx="9603275" cy="3834225"/>
+          </a:xfrm>
+        </p:spPr>
+        <p:txBody>
+          <a:bodyPr>
+            <a:normAutofit/>
+          </a:bodyPr>
+          <a:lstStyle/>
+          <a:p>
+            <a:r>
+              <a:rPr lang="zh-CN" altLang="en-US" sz="2400" dirty="0"/>
+              <a:t>准备阶段</a:t>
+            </a:r>
+            <a:r>
+              <a:rPr lang="en-US" altLang="zh-CN" sz="2400" dirty="0"/>
+              <a:t>: </a:t>
+            </a:r>
+            <a:r>
+              <a:rPr lang="zh-CN" altLang="en-US" sz="2400" dirty="0"/>
+              <a:t>对图</a:t>
+            </a:r>
+            <a:r>
+              <a:rPr kumimoji="1" lang="en-US" altLang="zh-CN" sz="2400" dirty="0"/>
+              <a:t>G = &lt; V , E &gt;</a:t>
+            </a:r>
+            <a:r>
+              <a:rPr lang="zh-CN" altLang="en-US" sz="2400" dirty="0"/>
+              <a:t>进行随机的初始化操作</a:t>
+            </a:r>
+            <a:r>
+              <a:rPr lang="en-US" altLang="zh-CN" sz="2400" dirty="0"/>
+              <a:t>, </a:t>
+            </a:r>
+            <a:r>
+              <a:rPr lang="zh-CN" altLang="en-US" sz="2400" dirty="0"/>
+              <a:t>随机选择一定数量的节点对</a:t>
+            </a:r>
+            <a:r>
+              <a:rPr lang="en-US" altLang="zh-CN" sz="2400" dirty="0" err="1"/>
+              <a:t>V</a:t>
+            </a:r>
+            <a:r>
+              <a:rPr lang="en-US" altLang="zh-CN" sz="2400" baseline="-25000" dirty="0" err="1"/>
+              <a:t>i</a:t>
+            </a:r>
+            <a:r>
+              <a:rPr lang="en-US" altLang="zh-CN" sz="2400" dirty="0" err="1"/>
+              <a:t>,V</a:t>
+            </a:r>
+            <a:r>
+              <a:rPr lang="en-US" altLang="zh-CN" sz="2400" baseline="-25000" dirty="0" err="1"/>
+              <a:t>j</a:t>
+            </a:r>
+            <a:r>
+              <a:rPr lang="zh-CN" altLang="en-US" sz="2400" dirty="0"/>
+              <a:t>连边</a:t>
+            </a:r>
+            <a:r>
+              <a:rPr lang="en-US" altLang="zh-CN" sz="2400" dirty="0"/>
+              <a:t>; </a:t>
+            </a:r>
+            <a:r>
+              <a:rPr lang="zh-CN" altLang="en-US" sz="2400" dirty="0"/>
+              <a:t>给每个人</a:t>
+            </a:r>
+            <a:r>
+              <a:rPr lang="en-US" altLang="zh-CN" sz="2400" dirty="0"/>
+              <a:t>P</a:t>
+            </a:r>
+            <a:r>
+              <a:rPr lang="en-US" altLang="zh-CN" sz="2400" baseline="-25000" dirty="0"/>
+              <a:t>i</a:t>
+            </a:r>
+            <a:r>
+              <a:rPr lang="zh-CN" altLang="en-US" sz="2400" dirty="0"/>
+              <a:t>在</a:t>
+            </a:r>
+            <a:r>
+              <a:rPr lang="en-US" altLang="zh-CN" sz="2400" dirty="0"/>
+              <a:t>V</a:t>
+            </a:r>
+            <a:r>
+              <a:rPr lang="zh-CN" altLang="en-US" sz="2400" dirty="0"/>
+              <a:t>中选择一个初始资源点</a:t>
+            </a:r>
+            <a:r>
+              <a:rPr lang="en-US" altLang="zh-CN" sz="2400" dirty="0"/>
+              <a:t>,</a:t>
+            </a:r>
+            <a:r>
+              <a:rPr lang="zh-CN" altLang="en-US" sz="2400" dirty="0"/>
+              <a:t>以</a:t>
+            </a:r>
+            <a:r>
+              <a:rPr lang="en-US" altLang="zh-CN" sz="2400" dirty="0"/>
+              <a:t>[0,1]</a:t>
+            </a:r>
+            <a:r>
+              <a:rPr lang="zh-CN" altLang="en-US" sz="2400" dirty="0"/>
+              <a:t>上的均匀分布对每个人的资源获取能力</a:t>
+            </a:r>
+            <a:r>
+              <a:rPr lang="en-US" altLang="zh-CN" sz="2400" dirty="0"/>
+              <a:t>a</a:t>
+            </a:r>
+            <a:r>
+              <a:rPr lang="en-US" altLang="zh-CN" sz="2400" baseline="-25000" dirty="0"/>
+              <a:t>i</a:t>
+            </a:r>
+            <a:r>
+              <a:rPr lang="zh-CN" altLang="en-US" sz="2400" dirty="0"/>
+              <a:t>进行独立赋值。</a:t>
+            </a:r>
+            <a:endParaRPr lang="en-US" altLang="zh-CN" sz="2400" dirty="0"/>
+          </a:p>
+          <a:p>
+            <a:r>
+              <a:rPr lang="zh-CN" altLang="en-US" sz="2400" dirty="0"/>
+              <a:t>第</a:t>
+            </a:r>
+            <a:r>
+              <a:rPr lang="en-US" altLang="zh-CN" sz="2400" dirty="0"/>
+              <a:t>1</a:t>
+            </a:r>
+            <a:r>
+              <a:rPr lang="zh-CN" altLang="en-US" sz="2400" dirty="0"/>
+              <a:t>轮</a:t>
+            </a:r>
+            <a:r>
+              <a:rPr lang="en-US" altLang="zh-CN" sz="2400" dirty="0"/>
+              <a:t>: </a:t>
+            </a:r>
+            <a:r>
+              <a:rPr lang="zh-CN" altLang="en-US" sz="2400" dirty="0"/>
+              <a:t>每个人在当前选择的节点上进行工作</a:t>
+            </a:r>
+            <a:r>
+              <a:rPr lang="en-US" altLang="zh-CN" sz="2400" dirty="0"/>
+              <a:t>. </a:t>
+            </a:r>
+            <a:r>
+              <a:rPr lang="zh-CN" altLang="en-US" sz="2400" dirty="0"/>
+              <a:t>显然</a:t>
+            </a:r>
+            <a:r>
+              <a:rPr lang="en-US" altLang="zh-CN" sz="2400" dirty="0"/>
+              <a:t>, </a:t>
+            </a:r>
+            <a:r>
+              <a:rPr lang="zh-CN" altLang="en-US" sz="2400" dirty="0"/>
+              <a:t>对任一人而言</a:t>
+            </a:r>
+            <a:r>
+              <a:rPr lang="en-US" altLang="zh-CN" sz="2400" dirty="0"/>
+              <a:t>, </a:t>
+            </a:r>
+            <a:r>
+              <a:rPr lang="zh-CN" altLang="en-US" sz="2400" dirty="0"/>
+              <a:t>这一次其真实收益值与个人水平值是相等的</a:t>
+            </a:r>
+            <a:r>
+              <a:rPr lang="en-US" altLang="zh-CN" sz="2400" dirty="0"/>
+              <a:t>, </a:t>
+            </a:r>
+            <a:r>
+              <a:rPr lang="zh-CN" altLang="en-US" sz="2400" dirty="0"/>
+              <a:t>都为</a:t>
+            </a:r>
+            <a:r>
+              <a:rPr lang="en-US" altLang="zh-CN" sz="2400" dirty="0" err="1"/>
+              <a:t>a</a:t>
+            </a:r>
+            <a:r>
+              <a:rPr lang="en-US" altLang="zh-CN" sz="2400" baseline="-25000" dirty="0" err="1"/>
+              <a:t>i</a:t>
+            </a:r>
+            <a:r>
+              <a:rPr lang="en-US" altLang="zh-CN" sz="2400" dirty="0" err="1"/>
+              <a:t>f</a:t>
+            </a:r>
+            <a:r>
+              <a:rPr lang="en-US" altLang="zh-CN" sz="2400" dirty="0"/>
+              <a:t>(1)</a:t>
+            </a:r>
+            <a:r>
+              <a:rPr lang="zh-CN" altLang="en-US" sz="2400" dirty="0"/>
+              <a:t>​。</a:t>
+            </a:r>
+            <a:endParaRPr lang="en-US" altLang="zh-CN" sz="2400" dirty="0"/>
+          </a:p>
+          <a:p>
+            <a:r>
+              <a:rPr lang="en-US" altLang="zh-CN" sz="2400" dirty="0"/>
+              <a:t> </a:t>
+            </a:r>
+            <a:r>
+              <a:rPr lang="zh-CN" altLang="en-US" sz="2400" dirty="0"/>
+              <a:t>第</a:t>
+            </a:r>
+            <a:r>
+              <a:rPr lang="en-US" altLang="zh-CN" sz="2400" dirty="0"/>
+              <a:t>T</a:t>
+            </a:r>
+            <a:r>
+              <a:rPr lang="zh-CN" altLang="en-US" sz="2400" dirty="0"/>
+              <a:t>轮</a:t>
+            </a:r>
+            <a:r>
+              <a:rPr lang="en-US" altLang="zh-CN" sz="2400" dirty="0"/>
+              <a:t>:</a:t>
+            </a:r>
+            <a:r>
+              <a:rPr lang="zh-CN" altLang="en-US" sz="2400" dirty="0"/>
+              <a:t>每个人在第</a:t>
+            </a:r>
+            <a:r>
+              <a:rPr lang="en-US" altLang="zh-CN" sz="2400" dirty="0"/>
+              <a:t>T-1</a:t>
+            </a:r>
+            <a:r>
+              <a:rPr lang="zh-CN" altLang="en-US" sz="2400" dirty="0"/>
+              <a:t>轮的基础上进行短视贪心搜索</a:t>
+            </a:r>
+            <a:r>
+              <a:rPr lang="en-US" altLang="zh-CN" sz="2400" dirty="0"/>
+              <a:t>, </a:t>
+            </a:r>
+            <a:r>
+              <a:rPr lang="zh-CN" altLang="en-US" sz="2400" dirty="0"/>
+              <a:t>在其所有可达节点中选择一个预估收益最大的节点</a:t>
+            </a:r>
+            <a:r>
+              <a:rPr lang="en-US" altLang="zh-CN" sz="2400" dirty="0"/>
+              <a:t>, </a:t>
+            </a:r>
+            <a:r>
+              <a:rPr lang="zh-CN" altLang="en-US" sz="2400" dirty="0"/>
+              <a:t>并转移到该节点上进行工作</a:t>
+            </a:r>
+            <a:r>
+              <a:rPr lang="en-US" altLang="zh-CN" sz="2400" dirty="0"/>
+              <a:t>. </a:t>
+            </a:r>
+            <a:r>
+              <a:rPr lang="zh-CN" altLang="en-US" sz="2400" dirty="0"/>
+              <a:t>但注意</a:t>
+            </a:r>
+            <a:r>
+              <a:rPr lang="en-US" altLang="zh-CN" sz="2400" dirty="0"/>
+              <a:t>: </a:t>
+            </a:r>
+            <a:r>
+              <a:rPr lang="zh-CN" altLang="en-US" sz="2400" dirty="0"/>
+              <a:t>转移之后真实的收益和预估收益可能不同。</a:t>
+            </a:r>
+            <a:endParaRPr kumimoji="1" lang="zh-CN" altLang="en-US" sz="2400" dirty="0"/>
+          </a:p>
+        </p:txBody>
+      </p:sp>
+    </p:spTree>
+    <p:extLst>
+      <p:ext uri="{BB962C8B-B14F-4D97-AF65-F5344CB8AC3E}">
+        <p14:creationId xmlns:p14="http://schemas.microsoft.com/office/powerpoint/2010/main" val="4118419841"/>
+      </p:ext>
+    </p:extLst>
+  </p:cSld>
+  <p:clrMapOvr>
+    <a:masterClrMapping/>
+  </p:clrMapOvr>
+</p:sld>
+</file>
+
+<file path=ppt/slides/slide8.xml><?xml version="1.0" encoding="utf-8"?>
+<p:sld xmlns:a="http://schemas.openxmlformats.org/drawingml/2006/main" xmlns:r="http://schemas.openxmlformats.org/officeDocument/2006/relationships" xmlns:p="http://schemas.openxmlformats.org/presentationml/2006/main">
+  <p:cSld>
+    <p:spTree>
+      <p:nvGrpSpPr>
+        <p:cNvPr id="1" name=""/>
+        <p:cNvGrpSpPr/>
+        <p:nvPr/>
+      </p:nvGrpSpPr>
+      <p:grpSpPr>
+        <a:xfrm>
+          <a:off x="0" y="0"/>
+          <a:ext cx="0" cy="0"/>
+          <a:chOff x="0" y="0"/>
+          <a:chExt cx="0" cy="0"/>
+        </a:xfrm>
+      </p:grpSpPr>
+      <p:sp>
+        <p:nvSpPr>
+          <p:cNvPr id="2" name="标题 1">
+            <a:extLst>
+              <a:ext uri="{FF2B5EF4-FFF2-40B4-BE49-F238E27FC236}">
+                <a16:creationId xmlns:a16="http://schemas.microsoft.com/office/drawing/2014/main" id="{AC163737-2FC7-F140-8A5C-31FE7AA8117C}"/>
+              </a:ext>
+            </a:extLst>
+          </p:cNvPr>
+          <p:cNvSpPr>
+            <a:spLocks noGrp="1"/>
+          </p:cNvSpPr>
+          <p:nvPr>
+            <p:ph type="title"/>
+          </p:nvPr>
+        </p:nvSpPr>
+        <p:spPr/>
+        <p:txBody>
+          <a:bodyPr>
+            <a:normAutofit/>
+          </a:bodyPr>
+          <a:lstStyle/>
+          <a:p>
+            <a:r>
+              <a:rPr kumimoji="1" lang="zh-CN" altLang="en-US" sz="4800" dirty="0"/>
+              <a:t>演化规则</a:t>
             </a:r>
           </a:p>
         </p:txBody>
@@ -7936,14 +8724,99 @@
           <a:bodyPr/>
           <a:lstStyle/>
           <a:p>
-            <a:endParaRPr kumimoji="1" lang="zh-CN" altLang="en-US"/>
+            <a:endParaRPr kumimoji="1" lang="zh-CN" altLang="en-US" dirty="0"/>
           </a:p>
         </p:txBody>
       </p:sp>
     </p:spTree>
     <p:extLst>
       <p:ext uri="{BB962C8B-B14F-4D97-AF65-F5344CB8AC3E}">
-        <p14:creationId xmlns:p14="http://schemas.microsoft.com/office/powerpoint/2010/main" val="4118419841"/>
+        <p14:creationId xmlns:p14="http://schemas.microsoft.com/office/powerpoint/2010/main" val="3232339848"/>
+      </p:ext>
+    </p:extLst>
+  </p:cSld>
+  <p:clrMapOvr>
+    <a:masterClrMapping/>
+  </p:clrMapOvr>
+</p:sld>
+</file>
+
+<file path=ppt/slides/slide9.xml><?xml version="1.0" encoding="utf-8"?>
+<p:sld xmlns:a="http://schemas.openxmlformats.org/drawingml/2006/main" xmlns:r="http://schemas.openxmlformats.org/officeDocument/2006/relationships" xmlns:p="http://schemas.openxmlformats.org/presentationml/2006/main">
+  <p:cSld>
+    <p:spTree>
+      <p:nvGrpSpPr>
+        <p:cNvPr id="1" name=""/>
+        <p:cNvGrpSpPr/>
+        <p:nvPr/>
+      </p:nvGrpSpPr>
+      <p:grpSpPr>
+        <a:xfrm>
+          <a:off x="0" y="0"/>
+          <a:ext cx="0" cy="0"/>
+          <a:chOff x="0" y="0"/>
+          <a:chExt cx="0" cy="0"/>
+        </a:xfrm>
+      </p:grpSpPr>
+      <p:sp>
+        <p:nvSpPr>
+          <p:cNvPr id="2" name="标题 1">
+            <a:extLst>
+              <a:ext uri="{FF2B5EF4-FFF2-40B4-BE49-F238E27FC236}">
+                <a16:creationId xmlns:a16="http://schemas.microsoft.com/office/drawing/2014/main" id="{AC163737-2FC7-F140-8A5C-31FE7AA8117C}"/>
+              </a:ext>
+            </a:extLst>
+          </p:cNvPr>
+          <p:cNvSpPr>
+            <a:spLocks noGrp="1"/>
+          </p:cNvSpPr>
+          <p:nvPr>
+            <p:ph type="title"/>
+          </p:nvPr>
+        </p:nvSpPr>
+        <p:spPr/>
+        <p:txBody>
+          <a:bodyPr>
+            <a:normAutofit/>
+          </a:bodyPr>
+          <a:lstStyle/>
+          <a:p>
+            <a:r>
+              <a:rPr kumimoji="1" lang="zh-CN" altLang="en-US" sz="4800" dirty="0"/>
+              <a:t>演化规则</a:t>
+            </a:r>
+          </a:p>
+        </p:txBody>
+      </p:sp>
+      <p:sp>
+        <p:nvSpPr>
+          <p:cNvPr id="3" name="内容占位符 2">
+            <a:extLst>
+              <a:ext uri="{FF2B5EF4-FFF2-40B4-BE49-F238E27FC236}">
+                <a16:creationId xmlns:a16="http://schemas.microsoft.com/office/drawing/2014/main" id="{3CA533C5-E795-0341-AF79-931D344749FC}"/>
+              </a:ext>
+            </a:extLst>
+          </p:cNvPr>
+          <p:cNvSpPr>
+            <a:spLocks noGrp="1"/>
+          </p:cNvSpPr>
+          <p:nvPr>
+            <p:ph idx="1"/>
+          </p:nvPr>
+        </p:nvSpPr>
+        <p:spPr/>
+        <p:txBody>
+          <a:bodyPr/>
+          <a:lstStyle/>
+          <a:p>
+            <a:endParaRPr kumimoji="1" lang="zh-CN" altLang="en-US" dirty="0"/>
+          </a:p>
+        </p:txBody>
+      </p:sp>
+    </p:spTree>
+    <p:extLst>
+      <p:ext uri="{BB962C8B-B14F-4D97-AF65-F5344CB8AC3E}">
+        <p14:creationId xmlns:p14="http://schemas.microsoft.com/office/powerpoint/2010/main" val="3032293790"/>
       </p:ext>
     </p:extLst>
   </p:cSld>

--- a/内卷问题建模与分析.pptx
+++ b/内卷问题建模与分析.pptx
@@ -13,11 +13,7 @@
     <p:sldId id="271" r:id="rId7"/>
     <p:sldId id="272" r:id="rId8"/>
     <p:sldId id="273" r:id="rId9"/>
-    <p:sldId id="274" r:id="rId10"/>
-    <p:sldId id="275" r:id="rId11"/>
-    <p:sldId id="276" r:id="rId12"/>
-    <p:sldId id="277" r:id="rId13"/>
-    <p:sldId id="278" r:id="rId14"/>
+    <p:sldId id="278" r:id="rId10"/>
   </p:sldIdLst>
   <p:sldSz cx="12192000" cy="6858000"/>
   <p:notesSz cx="6858000" cy="9144000"/>
@@ -4485,346 +4481,6 @@
 </p:sld>
 </file>
 
-<file path=ppt/slides/slide10.xml><?xml version="1.0" encoding="utf-8"?>
-<p:sld xmlns:a="http://schemas.openxmlformats.org/drawingml/2006/main" xmlns:r="http://schemas.openxmlformats.org/officeDocument/2006/relationships" xmlns:p="http://schemas.openxmlformats.org/presentationml/2006/main">
-  <p:cSld>
-    <p:spTree>
-      <p:nvGrpSpPr>
-        <p:cNvPr id="1" name=""/>
-        <p:cNvGrpSpPr/>
-        <p:nvPr/>
-      </p:nvGrpSpPr>
-      <p:grpSpPr>
-        <a:xfrm>
-          <a:off x="0" y="0"/>
-          <a:ext cx="0" cy="0"/>
-          <a:chOff x="0" y="0"/>
-          <a:chExt cx="0" cy="0"/>
-        </a:xfrm>
-      </p:grpSpPr>
-      <p:sp>
-        <p:nvSpPr>
-          <p:cNvPr id="2" name="标题 1">
-            <a:extLst>
-              <a:ext uri="{FF2B5EF4-FFF2-40B4-BE49-F238E27FC236}">
-                <a16:creationId xmlns:a16="http://schemas.microsoft.com/office/drawing/2014/main" id="{AC163737-2FC7-F140-8A5C-31FE7AA8117C}"/>
-              </a:ext>
-            </a:extLst>
-          </p:cNvPr>
-          <p:cNvSpPr>
-            <a:spLocks noGrp="1"/>
-          </p:cNvSpPr>
-          <p:nvPr>
-            <p:ph type="title"/>
-          </p:nvPr>
-        </p:nvSpPr>
-        <p:spPr/>
-        <p:txBody>
-          <a:bodyPr>
-            <a:normAutofit/>
-          </a:bodyPr>
-          <a:lstStyle/>
-          <a:p>
-            <a:r>
-              <a:rPr kumimoji="1" lang="zh-CN" altLang="en-US" sz="4800" dirty="0"/>
-              <a:t>演化规则</a:t>
-            </a:r>
-          </a:p>
-        </p:txBody>
-      </p:sp>
-      <p:sp>
-        <p:nvSpPr>
-          <p:cNvPr id="3" name="内容占位符 2">
-            <a:extLst>
-              <a:ext uri="{FF2B5EF4-FFF2-40B4-BE49-F238E27FC236}">
-                <a16:creationId xmlns:a16="http://schemas.microsoft.com/office/drawing/2014/main" id="{3CA533C5-E795-0341-AF79-931D344749FC}"/>
-              </a:ext>
-            </a:extLst>
-          </p:cNvPr>
-          <p:cNvSpPr>
-            <a:spLocks noGrp="1"/>
-          </p:cNvSpPr>
-          <p:nvPr>
-            <p:ph idx="1"/>
-          </p:nvPr>
-        </p:nvSpPr>
-        <p:spPr/>
-        <p:txBody>
-          <a:bodyPr/>
-          <a:lstStyle/>
-          <a:p>
-            <a:endParaRPr kumimoji="1" lang="zh-CN" altLang="en-US" dirty="0"/>
-          </a:p>
-        </p:txBody>
-      </p:sp>
-    </p:spTree>
-    <p:extLst>
-      <p:ext uri="{BB962C8B-B14F-4D97-AF65-F5344CB8AC3E}">
-        <p14:creationId xmlns:p14="http://schemas.microsoft.com/office/powerpoint/2010/main" val="1581668576"/>
-      </p:ext>
-    </p:extLst>
-  </p:cSld>
-  <p:clrMapOvr>
-    <a:masterClrMapping/>
-  </p:clrMapOvr>
-</p:sld>
-</file>
-
-<file path=ppt/slides/slide11.xml><?xml version="1.0" encoding="utf-8"?>
-<p:sld xmlns:a="http://schemas.openxmlformats.org/drawingml/2006/main" xmlns:r="http://schemas.openxmlformats.org/officeDocument/2006/relationships" xmlns:p="http://schemas.openxmlformats.org/presentationml/2006/main">
-  <p:cSld>
-    <p:spTree>
-      <p:nvGrpSpPr>
-        <p:cNvPr id="1" name=""/>
-        <p:cNvGrpSpPr/>
-        <p:nvPr/>
-      </p:nvGrpSpPr>
-      <p:grpSpPr>
-        <a:xfrm>
-          <a:off x="0" y="0"/>
-          <a:ext cx="0" cy="0"/>
-          <a:chOff x="0" y="0"/>
-          <a:chExt cx="0" cy="0"/>
-        </a:xfrm>
-      </p:grpSpPr>
-      <p:sp>
-        <p:nvSpPr>
-          <p:cNvPr id="2" name="标题 1">
-            <a:extLst>
-              <a:ext uri="{FF2B5EF4-FFF2-40B4-BE49-F238E27FC236}">
-                <a16:creationId xmlns:a16="http://schemas.microsoft.com/office/drawing/2014/main" id="{AC163737-2FC7-F140-8A5C-31FE7AA8117C}"/>
-              </a:ext>
-            </a:extLst>
-          </p:cNvPr>
-          <p:cNvSpPr>
-            <a:spLocks noGrp="1"/>
-          </p:cNvSpPr>
-          <p:nvPr>
-            <p:ph type="title"/>
-          </p:nvPr>
-        </p:nvSpPr>
-        <p:spPr/>
-        <p:txBody>
-          <a:bodyPr>
-            <a:normAutofit/>
-          </a:bodyPr>
-          <a:lstStyle/>
-          <a:p>
-            <a:r>
-              <a:rPr kumimoji="1" lang="zh-CN" altLang="en-US" sz="4800" dirty="0"/>
-              <a:t>演化规则</a:t>
-            </a:r>
-          </a:p>
-        </p:txBody>
-      </p:sp>
-      <p:sp>
-        <p:nvSpPr>
-          <p:cNvPr id="3" name="内容占位符 2">
-            <a:extLst>
-              <a:ext uri="{FF2B5EF4-FFF2-40B4-BE49-F238E27FC236}">
-                <a16:creationId xmlns:a16="http://schemas.microsoft.com/office/drawing/2014/main" id="{3CA533C5-E795-0341-AF79-931D344749FC}"/>
-              </a:ext>
-            </a:extLst>
-          </p:cNvPr>
-          <p:cNvSpPr>
-            <a:spLocks noGrp="1"/>
-          </p:cNvSpPr>
-          <p:nvPr>
-            <p:ph idx="1"/>
-          </p:nvPr>
-        </p:nvSpPr>
-        <p:spPr/>
-        <p:txBody>
-          <a:bodyPr/>
-          <a:lstStyle/>
-          <a:p>
-            <a:endParaRPr kumimoji="1" lang="zh-CN" altLang="en-US" dirty="0"/>
-          </a:p>
-        </p:txBody>
-      </p:sp>
-    </p:spTree>
-    <p:extLst>
-      <p:ext uri="{BB962C8B-B14F-4D97-AF65-F5344CB8AC3E}">
-        <p14:creationId xmlns:p14="http://schemas.microsoft.com/office/powerpoint/2010/main" val="2214950472"/>
-      </p:ext>
-    </p:extLst>
-  </p:cSld>
-  <p:clrMapOvr>
-    <a:masterClrMapping/>
-  </p:clrMapOvr>
-</p:sld>
-</file>
-
-<file path=ppt/slides/slide12.xml><?xml version="1.0" encoding="utf-8"?>
-<p:sld xmlns:a="http://schemas.openxmlformats.org/drawingml/2006/main" xmlns:r="http://schemas.openxmlformats.org/officeDocument/2006/relationships" xmlns:p="http://schemas.openxmlformats.org/presentationml/2006/main">
-  <p:cSld>
-    <p:spTree>
-      <p:nvGrpSpPr>
-        <p:cNvPr id="1" name=""/>
-        <p:cNvGrpSpPr/>
-        <p:nvPr/>
-      </p:nvGrpSpPr>
-      <p:grpSpPr>
-        <a:xfrm>
-          <a:off x="0" y="0"/>
-          <a:ext cx="0" cy="0"/>
-          <a:chOff x="0" y="0"/>
-          <a:chExt cx="0" cy="0"/>
-        </a:xfrm>
-      </p:grpSpPr>
-      <p:sp>
-        <p:nvSpPr>
-          <p:cNvPr id="2" name="标题 1">
-            <a:extLst>
-              <a:ext uri="{FF2B5EF4-FFF2-40B4-BE49-F238E27FC236}">
-                <a16:creationId xmlns:a16="http://schemas.microsoft.com/office/drawing/2014/main" id="{AC163737-2FC7-F140-8A5C-31FE7AA8117C}"/>
-              </a:ext>
-            </a:extLst>
-          </p:cNvPr>
-          <p:cNvSpPr>
-            <a:spLocks noGrp="1"/>
-          </p:cNvSpPr>
-          <p:nvPr>
-            <p:ph type="title"/>
-          </p:nvPr>
-        </p:nvSpPr>
-        <p:spPr/>
-        <p:txBody>
-          <a:bodyPr>
-            <a:normAutofit/>
-          </a:bodyPr>
-          <a:lstStyle/>
-          <a:p>
-            <a:r>
-              <a:rPr kumimoji="1" lang="zh-CN" altLang="en-US" sz="4800" dirty="0"/>
-              <a:t>演化规则</a:t>
-            </a:r>
-          </a:p>
-        </p:txBody>
-      </p:sp>
-      <p:sp>
-        <p:nvSpPr>
-          <p:cNvPr id="3" name="内容占位符 2">
-            <a:extLst>
-              <a:ext uri="{FF2B5EF4-FFF2-40B4-BE49-F238E27FC236}">
-                <a16:creationId xmlns:a16="http://schemas.microsoft.com/office/drawing/2014/main" id="{3CA533C5-E795-0341-AF79-931D344749FC}"/>
-              </a:ext>
-            </a:extLst>
-          </p:cNvPr>
-          <p:cNvSpPr>
-            <a:spLocks noGrp="1"/>
-          </p:cNvSpPr>
-          <p:nvPr>
-            <p:ph idx="1"/>
-          </p:nvPr>
-        </p:nvSpPr>
-        <p:spPr/>
-        <p:txBody>
-          <a:bodyPr/>
-          <a:lstStyle/>
-          <a:p>
-            <a:endParaRPr kumimoji="1" lang="zh-CN" altLang="en-US" dirty="0"/>
-          </a:p>
-        </p:txBody>
-      </p:sp>
-    </p:spTree>
-    <p:extLst>
-      <p:ext uri="{BB962C8B-B14F-4D97-AF65-F5344CB8AC3E}">
-        <p14:creationId xmlns:p14="http://schemas.microsoft.com/office/powerpoint/2010/main" val="2130612357"/>
-      </p:ext>
-    </p:extLst>
-  </p:cSld>
-  <p:clrMapOvr>
-    <a:masterClrMapping/>
-  </p:clrMapOvr>
-</p:sld>
-</file>
-
-<file path=ppt/slides/slide13.xml><?xml version="1.0" encoding="utf-8"?>
-<p:sld xmlns:a="http://schemas.openxmlformats.org/drawingml/2006/main" xmlns:r="http://schemas.openxmlformats.org/officeDocument/2006/relationships" xmlns:p="http://schemas.openxmlformats.org/presentationml/2006/main">
-  <p:cSld>
-    <p:spTree>
-      <p:nvGrpSpPr>
-        <p:cNvPr id="1" name=""/>
-        <p:cNvGrpSpPr/>
-        <p:nvPr/>
-      </p:nvGrpSpPr>
-      <p:grpSpPr>
-        <a:xfrm>
-          <a:off x="0" y="0"/>
-          <a:ext cx="0" cy="0"/>
-          <a:chOff x="0" y="0"/>
-          <a:chExt cx="0" cy="0"/>
-        </a:xfrm>
-      </p:grpSpPr>
-      <p:sp>
-        <p:nvSpPr>
-          <p:cNvPr id="2" name="标题 1">
-            <a:extLst>
-              <a:ext uri="{FF2B5EF4-FFF2-40B4-BE49-F238E27FC236}">
-                <a16:creationId xmlns:a16="http://schemas.microsoft.com/office/drawing/2014/main" id="{AC163737-2FC7-F140-8A5C-31FE7AA8117C}"/>
-              </a:ext>
-            </a:extLst>
-          </p:cNvPr>
-          <p:cNvSpPr>
-            <a:spLocks noGrp="1"/>
-          </p:cNvSpPr>
-          <p:nvPr>
-            <p:ph type="title"/>
-          </p:nvPr>
-        </p:nvSpPr>
-        <p:spPr/>
-        <p:txBody>
-          <a:bodyPr>
-            <a:normAutofit/>
-          </a:bodyPr>
-          <a:lstStyle/>
-          <a:p>
-            <a:r>
-              <a:rPr kumimoji="1" lang="zh-CN" altLang="en-US" sz="4800" dirty="0"/>
-              <a:t>演化规则</a:t>
-            </a:r>
-          </a:p>
-        </p:txBody>
-      </p:sp>
-      <p:sp>
-        <p:nvSpPr>
-          <p:cNvPr id="3" name="内容占位符 2">
-            <a:extLst>
-              <a:ext uri="{FF2B5EF4-FFF2-40B4-BE49-F238E27FC236}">
-                <a16:creationId xmlns:a16="http://schemas.microsoft.com/office/drawing/2014/main" id="{3CA533C5-E795-0341-AF79-931D344749FC}"/>
-              </a:ext>
-            </a:extLst>
-          </p:cNvPr>
-          <p:cNvSpPr>
-            <a:spLocks noGrp="1"/>
-          </p:cNvSpPr>
-          <p:nvPr>
-            <p:ph idx="1"/>
-          </p:nvPr>
-        </p:nvSpPr>
-        <p:spPr/>
-        <p:txBody>
-          <a:bodyPr/>
-          <a:lstStyle/>
-          <a:p>
-            <a:endParaRPr kumimoji="1" lang="zh-CN" altLang="en-US" dirty="0"/>
-          </a:p>
-        </p:txBody>
-      </p:sp>
-    </p:spTree>
-    <p:extLst>
-      <p:ext uri="{BB962C8B-B14F-4D97-AF65-F5344CB8AC3E}">
-        <p14:creationId xmlns:p14="http://schemas.microsoft.com/office/powerpoint/2010/main" val="736415187"/>
-      </p:ext>
-    </p:extLst>
-  </p:cSld>
-  <p:clrMapOvr>
-    <a:masterClrMapping/>
-  </p:clrMapOvr>
-</p:sld>
-</file>
-
 <file path=ppt/slides/slide2.xml><?xml version="1.0" encoding="utf-8"?>
 <p:sld xmlns:a="http://schemas.openxmlformats.org/drawingml/2006/main" xmlns:r="http://schemas.openxmlformats.org/officeDocument/2006/relationships" xmlns:p="http://schemas.openxmlformats.org/presentationml/2006/main">
   <p:cSld>
@@ -8724,7 +8380,40 @@
           <a:bodyPr/>
           <a:lstStyle/>
           <a:p>
-            <a:endParaRPr kumimoji="1" lang="zh-CN" altLang="en-US" dirty="0"/>
+            <a:r>
+              <a:rPr kumimoji="1" lang="zh-CN" altLang="en-US" dirty="0"/>
+              <a:t>每一轮计算每个人的回报变化，其值为该人员在当前点的收益增加值，减去该人员之前在其他点由于他人进入占比降低导致的收益减少值。</a:t>
+            </a:r>
+            <a:endParaRPr kumimoji="1" lang="en-US" altLang="zh-CN" dirty="0"/>
+          </a:p>
+          <a:p>
+            <a:r>
+              <a:rPr kumimoji="1" lang="zh-CN" altLang="en-US" dirty="0"/>
+              <a:t>若在一定的时间后，大部分人的收益都会随着时间增加而不变甚至减少，就认为形成了“内卷”。</a:t>
+            </a:r>
+            <a:endParaRPr kumimoji="1" lang="en-US" altLang="zh-CN" dirty="0"/>
+          </a:p>
+          <a:p>
+            <a:r>
+              <a:rPr kumimoji="1" lang="zh-CN" altLang="en-US" dirty="0"/>
+              <a:t>考虑网络的每个资源结点以概率</a:t>
+            </a:r>
+            <a:r>
+              <a:rPr kumimoji="1" lang="en-US" altLang="zh-CN" dirty="0"/>
+              <a:t>p</a:t>
+            </a:r>
+            <a:r>
+              <a:rPr kumimoji="1" lang="zh-CN" altLang="en-US" dirty="0"/>
+              <a:t>在某一时刻增加一个新的资源点，探究在概率</a:t>
+            </a:r>
+            <a:r>
+              <a:rPr kumimoji="1" lang="en-US" altLang="zh-CN" dirty="0"/>
+              <a:t>p</a:t>
+            </a:r>
+            <a:r>
+              <a:rPr kumimoji="1" lang="zh-CN" altLang="en-US" dirty="0"/>
+              <a:t>为多少时，网络中任何时刻都不会再出现“内卷”现象。</a:t>
+            </a:r>
           </a:p>
         </p:txBody>
       </p:sp>
@@ -8760,54 +8449,86 @@
       </p:grpSpPr>
       <p:sp>
         <p:nvSpPr>
-          <p:cNvPr id="2" name="标题 1">
+          <p:cNvPr id="4" name="矩形 3">
             <a:extLst>
               <a:ext uri="{FF2B5EF4-FFF2-40B4-BE49-F238E27FC236}">
-                <a16:creationId xmlns:a16="http://schemas.microsoft.com/office/drawing/2014/main" id="{AC163737-2FC7-F140-8A5C-31FE7AA8117C}"/>
+                <a16:creationId xmlns:a16="http://schemas.microsoft.com/office/drawing/2014/main" id="{DB64A3ED-0B45-4843-88CA-E967F472B3E0}"/>
               </a:ext>
             </a:extLst>
           </p:cNvPr>
-          <p:cNvSpPr>
-            <a:spLocks noGrp="1"/>
-          </p:cNvSpPr>
-          <p:nvPr>
-            <p:ph type="title"/>
-          </p:nvPr>
+          <p:cNvSpPr/>
+          <p:nvPr/>
         </p:nvSpPr>
-        <p:spPr/>
+        <p:spPr>
+          <a:xfrm>
+            <a:off x="3746637" y="2321004"/>
+            <a:ext cx="4698722" cy="1446550"/>
+          </a:xfrm>
+          <a:prstGeom prst="rect">
+            <a:avLst/>
+          </a:prstGeom>
+          <a:noFill/>
+        </p:spPr>
         <p:txBody>
-          <a:bodyPr>
-            <a:normAutofit/>
+          <a:bodyPr wrap="none" lIns="91440" tIns="45720" rIns="91440" bIns="45720">
+            <a:spAutoFit/>
           </a:bodyPr>
           <a:lstStyle/>
           <a:p>
-            <a:r>
-              <a:rPr kumimoji="1" lang="zh-CN" altLang="en-US" sz="4800" dirty="0"/>
-              <a:t>演化规则</a:t>
+            <a:pPr algn="ctr"/>
+            <a:r>
+              <a:rPr lang="zh-CN" altLang="en-US" sz="8800" b="0" cap="none" spc="0" dirty="0">
+                <a:ln w="0"/>
+                <a:solidFill>
+                  <a:schemeClr val="accent1"/>
+                </a:solidFill>
+                <a:effectLst>
+                  <a:outerShdw blurRad="38100" dist="25400" dir="5400000" algn="ctr" rotWithShape="0">
+                    <a:srgbClr val="6E747A">
+                      <a:alpha val="43000"/>
+                    </a:srgbClr>
+                  </a:outerShdw>
+                </a:effectLst>
+              </a:rPr>
+              <a:t>谢谢大家</a:t>
             </a:r>
           </a:p>
         </p:txBody>
       </p:sp>
       <p:sp>
         <p:nvSpPr>
-          <p:cNvPr id="3" name="内容占位符 2">
+          <p:cNvPr id="5" name="文本框 4">
             <a:extLst>
               <a:ext uri="{FF2B5EF4-FFF2-40B4-BE49-F238E27FC236}">
-                <a16:creationId xmlns:a16="http://schemas.microsoft.com/office/drawing/2014/main" id="{3CA533C5-E795-0341-AF79-931D344749FC}"/>
+                <a16:creationId xmlns:a16="http://schemas.microsoft.com/office/drawing/2014/main" id="{C51B44BD-3E63-BB4B-99F8-94FA7B4CC301}"/>
               </a:ext>
             </a:extLst>
           </p:cNvPr>
-          <p:cNvSpPr>
-            <a:spLocks noGrp="1"/>
-          </p:cNvSpPr>
-          <p:nvPr>
-            <p:ph idx="1"/>
-          </p:nvPr>
+          <p:cNvSpPr txBox="1"/>
+          <p:nvPr/>
         </p:nvSpPr>
-        <p:spPr/>
+        <p:spPr>
+          <a:xfrm>
+            <a:off x="7390686" y="5732536"/>
+            <a:ext cx="4801314" cy="646331"/>
+          </a:xfrm>
+          <a:prstGeom prst="rect">
+            <a:avLst/>
+          </a:prstGeom>
+          <a:noFill/>
+        </p:spPr>
         <p:txBody>
-          <a:bodyPr/>
+          <a:bodyPr wrap="none" rtlCol="0">
+            <a:spAutoFit/>
+          </a:bodyPr>
           <a:lstStyle/>
+          <a:p>
+            <a:r>
+              <a:rPr lang="zh-CN" altLang="en-US" dirty="0"/>
+              <a:t>杨礼铭、王赞辰令、林汇平、奚佳琪、徐丁涵</a:t>
+            </a:r>
+            <a:endParaRPr kumimoji="1" lang="zh-CN" altLang="en-US" dirty="0"/>
+          </a:p>
           <a:p>
             <a:endParaRPr kumimoji="1" lang="zh-CN" altLang="en-US" dirty="0"/>
           </a:p>
@@ -8816,7 +8537,7 @@
     </p:spTree>
     <p:extLst>
       <p:ext uri="{BB962C8B-B14F-4D97-AF65-F5344CB8AC3E}">
-        <p14:creationId xmlns:p14="http://schemas.microsoft.com/office/powerpoint/2010/main" val="3032293790"/>
+        <p14:creationId xmlns:p14="http://schemas.microsoft.com/office/powerpoint/2010/main" val="736415187"/>
       </p:ext>
     </p:extLst>
   </p:cSld>

--- a/内卷问题建模与分析.pptx
+++ b/内卷问题建模与分析.pptx
@@ -125,7 +125,7 @@
   <pc:docChgLst>
     <pc:chgData name="YangLiming" userId="655cf570-2bff-4e88-9b10-712072ac38d1" providerId="ADAL" clId="{8D493378-277C-8448-9C2D-37414E74021F}"/>
     <pc:docChg chg="undo custSel addSld delSld modSld">
-      <pc:chgData name="YangLiming" userId="655cf570-2bff-4e88-9b10-712072ac38d1" providerId="ADAL" clId="{8D493378-277C-8448-9C2D-37414E74021F}" dt="2021-06-15T11:21:38.408" v="2272" actId="20577"/>
+      <pc:chgData name="YangLiming" userId="655cf570-2bff-4e88-9b10-712072ac38d1" providerId="ADAL" clId="{8D493378-277C-8448-9C2D-37414E74021F}" dt="2021-06-16T07:05:47.779" v="2284" actId="20577"/>
       <pc:docMkLst>
         <pc:docMk/>
       </pc:docMkLst>
@@ -897,12 +897,20 @@
           <pc:sldMk cId="2264488817" sldId="271"/>
         </pc:sldMkLst>
       </pc:sldChg>
-      <pc:sldChg chg="add">
-        <pc:chgData name="YangLiming" userId="655cf570-2bff-4e88-9b10-712072ac38d1" providerId="ADAL" clId="{8D493378-277C-8448-9C2D-37414E74021F}" dt="2021-06-15T07:51:43.664" v="38"/>
+      <pc:sldChg chg="modSp add mod">
+        <pc:chgData name="YangLiming" userId="655cf570-2bff-4e88-9b10-712072ac38d1" providerId="ADAL" clId="{8D493378-277C-8448-9C2D-37414E74021F}" dt="2021-06-16T07:05:47.779" v="2284" actId="20577"/>
         <pc:sldMkLst>
           <pc:docMk/>
           <pc:sldMk cId="4118419841" sldId="272"/>
         </pc:sldMkLst>
+        <pc:spChg chg="mod">
+          <ac:chgData name="YangLiming" userId="655cf570-2bff-4e88-9b10-712072ac38d1" providerId="ADAL" clId="{8D493378-277C-8448-9C2D-37414E74021F}" dt="2021-06-16T07:05:47.779" v="2284" actId="20577"/>
+          <ac:spMkLst>
+            <pc:docMk/>
+            <pc:sldMk cId="4118419841" sldId="272"/>
+            <ac:spMk id="3" creationId="{3CA533C5-E795-0341-AF79-931D344749FC}"/>
+          </ac:spMkLst>
+        </pc:spChg>
       </pc:sldChg>
     </pc:docChg>
   </pc:docChgLst>
@@ -8134,8 +8142,8 @@
               <a:t>以</a:t>
             </a:r>
             <a:r>
-              <a:rPr lang="en-US" altLang="zh-CN" sz="2400" dirty="0"/>
-              <a:t>[0,1]</a:t>
+              <a:rPr lang="en-US" altLang="zh-CN" sz="2400"/>
+              <a:t>[0.4,0.6]</a:t>
             </a:r>
             <a:r>
               <a:rPr lang="zh-CN" altLang="en-US" sz="2400" dirty="0"/>

--- a/内卷问题建模与分析.pptx
+++ b/内卷问题建模与分析.pptx
@@ -1056,7 +1056,7 @@
           <a:p>
             <a:fld id="{48A87A34-81AB-432B-8DAE-1953F412C126}" type="datetimeFigureOut">
               <a:rPr lang="en-US" dirty="0"/>
-              <a:t>6/16/21</a:t>
+              <a:t>6/18/2021</a:t>
             </a:fld>
             <a:endParaRPr lang="en-US" dirty="0"/>
           </a:p>
@@ -1262,7 +1262,7 @@
           <a:p>
             <a:fld id="{48A87A34-81AB-432B-8DAE-1953F412C126}" type="datetimeFigureOut">
               <a:rPr lang="en-US" dirty="0"/>
-              <a:t>6/16/21</a:t>
+              <a:t>6/18/2021</a:t>
             </a:fld>
             <a:endParaRPr lang="en-US" dirty="0"/>
           </a:p>
@@ -1472,7 +1472,7 @@
           <a:p>
             <a:fld id="{48A87A34-81AB-432B-8DAE-1953F412C126}" type="datetimeFigureOut">
               <a:rPr lang="en-US" dirty="0"/>
-              <a:t>6/16/21</a:t>
+              <a:t>6/18/2021</a:t>
             </a:fld>
             <a:endParaRPr lang="en-US" dirty="0"/>
           </a:p>
@@ -1668,7 +1668,7 @@
           <a:p>
             <a:fld id="{48A87A34-81AB-432B-8DAE-1953F412C126}" type="datetimeFigureOut">
               <a:rPr lang="en-US" dirty="0"/>
-              <a:t>6/16/21</a:t>
+              <a:t>6/18/2021</a:t>
             </a:fld>
             <a:endParaRPr lang="en-US" dirty="0"/>
           </a:p>
@@ -1942,7 +1942,7 @@
           <a:p>
             <a:fld id="{48A87A34-81AB-432B-8DAE-1953F412C126}" type="datetimeFigureOut">
               <a:rPr lang="en-US" dirty="0"/>
-              <a:t>6/16/21</a:t>
+              <a:t>6/18/2021</a:t>
             </a:fld>
             <a:endParaRPr lang="en-US" dirty="0"/>
           </a:p>
@@ -2205,7 +2205,7 @@
           <a:p>
             <a:fld id="{48A87A34-81AB-432B-8DAE-1953F412C126}" type="datetimeFigureOut">
               <a:rPr lang="en-US" dirty="0"/>
-              <a:t>6/16/21</a:t>
+              <a:t>6/18/2021</a:t>
             </a:fld>
             <a:endParaRPr lang="en-US" dirty="0"/>
           </a:p>
@@ -2616,7 +2616,7 @@
           <a:p>
             <a:fld id="{48A87A34-81AB-432B-8DAE-1953F412C126}" type="datetimeFigureOut">
               <a:rPr lang="en-US" dirty="0"/>
-              <a:t>6/16/21</a:t>
+              <a:t>6/18/2021</a:t>
             </a:fld>
             <a:endParaRPr lang="en-US" dirty="0"/>
           </a:p>
@@ -2760,7 +2760,7 @@
           <a:p>
             <a:fld id="{48A87A34-81AB-432B-8DAE-1953F412C126}" type="datetimeFigureOut">
               <a:rPr lang="en-US" dirty="0"/>
-              <a:t>6/16/21</a:t>
+              <a:t>6/18/2021</a:t>
             </a:fld>
             <a:endParaRPr lang="en-US" dirty="0"/>
           </a:p>
@@ -2881,7 +2881,7 @@
           <a:p>
             <a:fld id="{48A87A34-81AB-432B-8DAE-1953F412C126}" type="datetimeFigureOut">
               <a:rPr lang="en-US" dirty="0"/>
-              <a:t>6/16/21</a:t>
+              <a:t>6/18/2021</a:t>
             </a:fld>
             <a:endParaRPr lang="en-US" dirty="0"/>
           </a:p>
@@ -3127,7 +3127,7 @@
           <a:p>
             <a:fld id="{48A87A34-81AB-432B-8DAE-1953F412C126}" type="datetimeFigureOut">
               <a:rPr lang="en-US" dirty="0"/>
-              <a:t>6/16/21</a:t>
+              <a:t>6/18/2021</a:t>
             </a:fld>
             <a:endParaRPr lang="en-US" dirty="0"/>
           </a:p>
@@ -3568,7 +3568,7 @@
             <a:fld id="{48A87A34-81AB-432B-8DAE-1953F412C126}" type="datetimeFigureOut">
               <a:rPr lang="en-US" dirty="0"/>
               <a:pPr/>
-              <a:t>6/16/21</a:t>
+              <a:t>6/18/2021</a:t>
             </a:fld>
             <a:endParaRPr lang="en-US" dirty="0"/>
           </a:p>
@@ -3891,7 +3891,7 @@
             <a:fld id="{48A87A34-81AB-432B-8DAE-1953F412C126}" type="datetimeFigureOut">
               <a:rPr lang="en-US" dirty="0"/>
               <a:pPr/>
-              <a:t>6/16/21</a:t>
+              <a:t>6/18/2021</a:t>
             </a:fld>
             <a:endParaRPr lang="en-US" dirty="0"/>
           </a:p>
